--- a/UCDavis-howtocomputing.pptx
+++ b/UCDavis-howtocomputing.pptx
@@ -580,6 +580,174 @@
     </a:lvl9pPr>
   </p:notesStyle>
 </p:notesMaster>
+</file>
+
+<file path=ppt/notesSlides/notesSlide1.xml><?xml version="1.0" encoding="utf-8"?>
+<p:notes xmlns:a="http://schemas.openxmlformats.org/drawingml/2006/main" xmlns:r="http://schemas.openxmlformats.org/officeDocument/2006/relationships" xmlns:p="http://schemas.openxmlformats.org/presentationml/2006/main">
+  <p:cSld>
+    <p:spTree>
+      <p:nvGrpSpPr>
+        <p:cNvPr id="1" name=""/>
+        <p:cNvGrpSpPr/>
+        <p:nvPr/>
+      </p:nvGrpSpPr>
+      <p:grpSpPr>
+        <a:xfrm>
+          <a:off x="0" y="0"/>
+          <a:ext cx="0" cy="0"/>
+          <a:chOff x="0" y="0"/>
+          <a:chExt cx="0" cy="0"/>
+        </a:xfrm>
+      </p:grpSpPr>
+      <p:sp>
+        <p:nvSpPr>
+          <p:cNvPr id="2" name="Slide Image Placeholder 1"/>
+          <p:cNvSpPr>
+            <a:spLocks noGrp="1" noRot="1" noChangeAspect="1"/>
+          </p:cNvSpPr>
+          <p:nvPr>
+            <p:ph type="sldImg"/>
+          </p:nvPr>
+        </p:nvSpPr>
+        <p:spPr/>
+      </p:sp>
+      <p:sp>
+        <p:nvSpPr>
+          <p:cNvPr id="3" name="Notes Placeholder 2"/>
+          <p:cNvSpPr>
+            <a:spLocks noGrp="1"/>
+          </p:cNvSpPr>
+          <p:nvPr>
+            <p:ph type="body" idx="1"/>
+          </p:nvPr>
+        </p:nvSpPr>
+        <p:spPr/>
+        <p:txBody>
+          <a:bodyPr/>
+          <a:lstStyle/>
+          <a:p>
+            <a:endParaRPr lang="en-US" dirty="0"/>
+          </a:p>
+        </p:txBody>
+      </p:sp>
+      <p:sp>
+        <p:nvSpPr>
+          <p:cNvPr id="4" name="Slide Number Placeholder 3"/>
+          <p:cNvSpPr>
+            <a:spLocks noGrp="1"/>
+          </p:cNvSpPr>
+          <p:nvPr>
+            <p:ph type="sldNum" sz="quarter" idx="10"/>
+          </p:nvPr>
+        </p:nvSpPr>
+        <p:spPr/>
+        <p:txBody>
+          <a:bodyPr/>
+          <a:lstStyle/>
+          <a:p>
+            <a:fld id="{76E26928-AF02-014C-A64D-747878E94874}" type="slidenum">
+              <a:rPr lang="en-US" smtClean="0"/>
+              <a:t>29</a:t>
+            </a:fld>
+            <a:endParaRPr lang="en-US"/>
+          </a:p>
+        </p:txBody>
+      </p:sp>
+    </p:spTree>
+    <p:extLst>
+      <p:ext uri="{BB962C8B-B14F-4D97-AF65-F5344CB8AC3E}">
+        <p14:creationId xmlns:p14="http://schemas.microsoft.com/office/powerpoint/2010/main" val="685644083"/>
+      </p:ext>
+    </p:extLst>
+  </p:cSld>
+  <p:clrMapOvr>
+    <a:masterClrMapping/>
+  </p:clrMapOvr>
+</p:notes>
+</file>
+
+<file path=ppt/notesSlides/notesSlide2.xml><?xml version="1.0" encoding="utf-8"?>
+<p:notes xmlns:a="http://schemas.openxmlformats.org/drawingml/2006/main" xmlns:r="http://schemas.openxmlformats.org/officeDocument/2006/relationships" xmlns:p="http://schemas.openxmlformats.org/presentationml/2006/main">
+  <p:cSld>
+    <p:spTree>
+      <p:nvGrpSpPr>
+        <p:cNvPr id="1" name=""/>
+        <p:cNvGrpSpPr/>
+        <p:nvPr/>
+      </p:nvGrpSpPr>
+      <p:grpSpPr>
+        <a:xfrm>
+          <a:off x="0" y="0"/>
+          <a:ext cx="0" cy="0"/>
+          <a:chOff x="0" y="0"/>
+          <a:chExt cx="0" cy="0"/>
+        </a:xfrm>
+      </p:grpSpPr>
+      <p:sp>
+        <p:nvSpPr>
+          <p:cNvPr id="2" name="Slide Image Placeholder 1"/>
+          <p:cNvSpPr>
+            <a:spLocks noGrp="1" noRot="1" noChangeAspect="1"/>
+          </p:cNvSpPr>
+          <p:nvPr>
+            <p:ph type="sldImg"/>
+          </p:nvPr>
+        </p:nvSpPr>
+        <p:spPr/>
+      </p:sp>
+      <p:sp>
+        <p:nvSpPr>
+          <p:cNvPr id="3" name="Notes Placeholder 2"/>
+          <p:cNvSpPr>
+            <a:spLocks noGrp="1"/>
+          </p:cNvSpPr>
+          <p:nvPr>
+            <p:ph type="body" idx="1"/>
+          </p:nvPr>
+        </p:nvSpPr>
+        <p:spPr/>
+        <p:txBody>
+          <a:bodyPr/>
+          <a:lstStyle/>
+          <a:p>
+            <a:endParaRPr lang="en-US" dirty="0"/>
+          </a:p>
+        </p:txBody>
+      </p:sp>
+      <p:sp>
+        <p:nvSpPr>
+          <p:cNvPr id="4" name="Slide Number Placeholder 3"/>
+          <p:cNvSpPr>
+            <a:spLocks noGrp="1"/>
+          </p:cNvSpPr>
+          <p:nvPr>
+            <p:ph type="sldNum" sz="quarter" idx="10"/>
+          </p:nvPr>
+        </p:nvSpPr>
+        <p:spPr/>
+        <p:txBody>
+          <a:bodyPr/>
+          <a:lstStyle/>
+          <a:p>
+            <a:fld id="{76E26928-AF02-014C-A64D-747878E94874}" type="slidenum">
+              <a:rPr lang="en-US" smtClean="0"/>
+              <a:t>34</a:t>
+            </a:fld>
+            <a:endParaRPr lang="en-US"/>
+          </a:p>
+        </p:txBody>
+      </p:sp>
+    </p:spTree>
+    <p:extLst>
+      <p:ext uri="{BB962C8B-B14F-4D97-AF65-F5344CB8AC3E}">
+        <p14:creationId xmlns:p14="http://schemas.microsoft.com/office/powerpoint/2010/main" val="2146404024"/>
+      </p:ext>
+    </p:extLst>
+  </p:cSld>
+  <p:clrMapOvr>
+    <a:masterClrMapping/>
+  </p:clrMapOvr>
+</p:notes>
 </file>
 
 <file path=ppt/slideLayouts/slideLayout1.xml><?xml version="1.0" encoding="utf-8"?>
@@ -4217,7 +4385,15 @@
           <a:p>
             <a:r>
               <a:rPr lang="en-US" dirty="0" smtClean="0"/>
-              <a:t>YOU DO HAVE TO BE CAREFULL of others work! Since you have group write ability you are able to modify, delete and otherwise impact others people work/project.</a:t>
+              <a:t>YOU DO HAVE TO BE </a:t>
+            </a:r>
+            <a:r>
+              <a:rPr lang="en-US" dirty="0" smtClean="0"/>
+              <a:t>CAREFUL </a:t>
+            </a:r>
+            <a:r>
+              <a:rPr lang="en-US" dirty="0" smtClean="0"/>
+              <a:t>of others work! Since you have group write ability you are able to modify, delete and otherwise impact others people work/project.</a:t>
             </a:r>
           </a:p>
           <a:p>
@@ -4226,12 +4402,12 @@
               <a:t>Once a file/folder has been created you can modify the permission to restrict access, however should the PI request the </a:t>
             </a:r>
             <a:r>
-              <a:rPr lang="en-US" dirty="0" err="1" smtClean="0"/>
-              <a:t>bioinfomatics</a:t>
-            </a:r>
-            <a:r>
-              <a:rPr lang="en-US" dirty="0" smtClean="0"/>
-              <a:t> core to change it back, we will.</a:t>
+              <a:rPr lang="en-US" dirty="0" smtClean="0"/>
+              <a:t>bioinformatics </a:t>
+            </a:r>
+            <a:r>
+              <a:rPr lang="en-US" dirty="0" smtClean="0"/>
+              <a:t>core to change it back, we will.</a:t>
             </a:r>
           </a:p>
           <a:p>
@@ -4463,12 +4639,12 @@
               <a:t>/bowtie) are available </a:t>
             </a:r>
             <a:r>
-              <a:rPr lang="en-US" dirty="0" err="1" smtClean="0"/>
-              <a:t>centerally</a:t>
-            </a:r>
-            <a:r>
-              <a:rPr lang="en-US" dirty="0" smtClean="0"/>
-              <a:t> to be used by everyone, they can be found under</a:t>
+              <a:rPr lang="en-US" dirty="0" smtClean="0"/>
+              <a:t>centrally </a:t>
+            </a:r>
+            <a:r>
+              <a:rPr lang="en-US" dirty="0" smtClean="0"/>
+              <a:t>to be used by everyone, they can be found under</a:t>
             </a:r>
           </a:p>
           <a:p>
@@ -4549,6 +4725,13 @@
   <p:clrMapOvr>
     <a:masterClrMapping/>
   </p:clrMapOvr>
+  <p:timing>
+    <p:tnLst>
+      <p:par>
+        <p:cTn id="1" dur="indefinite" restart="never" nodeType="tmRoot"/>
+      </p:par>
+    </p:tnLst>
+  </p:timing>
 </p:sld>
 </file>
 
@@ -5725,8 +5908,16 @@
           <a:p>
             <a:pPr lvl="1"/>
             <a:r>
-              <a:rPr lang="en-US" dirty="0" smtClean="0"/>
-              <a:t>If your just trying something out that may or may not be useful can waste valuable system administrator time.</a:t>
+              <a:rPr lang="en-US" smtClean="0"/>
+              <a:t>If </a:t>
+            </a:r>
+            <a:r>
+              <a:rPr lang="en-US" smtClean="0"/>
+              <a:t>you’re </a:t>
+            </a:r>
+            <a:r>
+              <a:rPr lang="en-US" dirty="0" smtClean="0"/>
+              <a:t>just trying something out that may or may not be useful can waste valuable system administrator time.</a:t>
             </a:r>
           </a:p>
         </p:txBody>
@@ -7030,11 +7221,7 @@
             <a:pPr lvl="1"/>
             <a:r>
               <a:rPr lang="en-US" dirty="0" smtClean="0"/>
-              <a:t>Submitted batch job </a:t>
-            </a:r>
-            <a:r>
-              <a:rPr lang="en-US" dirty="0" smtClean="0"/>
-              <a:t>311533</a:t>
+              <a:t>Submitted batch job 311533</a:t>
             </a:r>
           </a:p>
           <a:p>
@@ -7913,11 +8100,7 @@
           <a:p>
             <a:r>
               <a:rPr lang="en-US" dirty="0" smtClean="0"/>
-              <a:t>If using ‘screen</a:t>
-            </a:r>
-            <a:r>
-              <a:rPr lang="en-US" dirty="0" smtClean="0"/>
-              <a:t>’,</a:t>
+              <a:t>If using ‘screen’,</a:t>
             </a:r>
           </a:p>
           <a:p>
@@ -7927,13 +8110,8 @@
             </a:pPr>
             <a:r>
               <a:rPr lang="en-US" dirty="0" smtClean="0"/>
-              <a:t> </a:t>
-            </a:r>
-            <a:r>
-              <a:rPr lang="en-US" dirty="0" smtClean="0"/>
-              <a:t>‘screen’ on Cabernet, </a:t>
-            </a:r>
-            <a:endParaRPr lang="en-US" dirty="0" smtClean="0"/>
+              <a:t> ‘screen’ on Cabernet, </a:t>
+            </a:r>
           </a:p>
           <a:p>
             <a:pPr marL="914400" lvl="1" indent="-457200">
@@ -7952,7 +8130,6 @@
               <a:rPr lang="en-US" dirty="0" smtClean="0"/>
               <a:t>, </a:t>
             </a:r>
-            <a:endParaRPr lang="en-US" dirty="0" smtClean="0"/>
           </a:p>
           <a:p>
             <a:pPr marL="914400" lvl="1" indent="-457200">
@@ -7963,7 +8140,6 @@
               <a:rPr lang="en-US" dirty="0" smtClean="0"/>
               <a:t>then exit when done.</a:t>
             </a:r>
-            <a:endParaRPr lang="en-US" dirty="0" smtClean="0"/>
           </a:p>
         </p:txBody>
       </p:sp>
